--- a/presentation/doctor patient dialog slides.pptx
+++ b/presentation/doctor patient dialog slides.pptx
@@ -3814,11 +3814,47 @@
           </a:fontRef>
         </p:style>
         <p:txBody>
-          <a:bodyPr rtlCol="0" anchor="ctr"/>
-          <a:lstStyle/>
-          <a:p>
-            <a:pPr algn="ctr"/>
-            <a:endParaRPr lang="en-US"/>
+          <a:bodyPr rtlCol="0" anchor="t"/>
+          <a:lstStyle/>
+          <a:p>
+            <a:r>
+              <a:rPr lang="en-US" dirty="0">
+                <a:solidFill>
+                  <a:schemeClr val="tx1"/>
+                </a:solidFill>
+              </a:rPr>
+              <a:t>ASSESSMENT:</a:t>
+            </a:r>
+          </a:p>
+          <a:p>
+            <a:r>
+              <a:rPr lang="en-US" dirty="0">
+                <a:solidFill>
+                  <a:schemeClr val="tx1"/>
+                </a:solidFill>
+              </a:rPr>
+              <a:t>- Probable abdominal wall hernia causing left lower quadrant pain</a:t>
+            </a:r>
+          </a:p>
+          <a:p>
+            <a:r>
+              <a:rPr lang="en-US" dirty="0">
+                <a:solidFill>
+                  <a:schemeClr val="tx1"/>
+                </a:solidFill>
+              </a:rPr>
+              <a:t>- Stage IV lung cancer (ongoing hospice care)</a:t>
+            </a:r>
+          </a:p>
+          <a:p>
+            <a:r>
+              <a:rPr lang="en-US" dirty="0">
+                <a:solidFill>
+                  <a:schemeClr val="tx1"/>
+                </a:solidFill>
+              </a:rPr>
+              <a:t>- Pain management needs adjustment</a:t>
+            </a:r>
           </a:p>
         </p:txBody>
       </p:sp>
